--- a/episodes/episode_1/image_processing_lecture1_image_basics.pptx
+++ b/episodes/episode_1/image_processing_lecture1_image_basics.pptx
@@ -213,7 +213,7 @@
           </a:lstStyle>
           <a:p>
             <a:fld id="{BB21F979-4547-4A3A-A3A2-55B2EE3424FC}" type="datetimeFigureOut">
-              <a:t>03/06/2023</a:t>
+              <a:t>23/02/2024</a:t>
             </a:fld>
             <a:endParaRPr lang="en-US"/>
           </a:p>
@@ -610,7 +610,7 @@
           <a:p>
             <a:fld id="{846CE7D5-CF57-46EF-B807-FDD0502418D4}" type="datetimeFigureOut">
               <a:rPr lang="en-US" smtClean="0"/>
-              <a:t>6/3/2023</a:t>
+              <a:t>2/23/2024</a:t>
             </a:fld>
             <a:endParaRPr lang="en-US"/>
           </a:p>
@@ -780,7 +780,7 @@
           <a:p>
             <a:fld id="{846CE7D5-CF57-46EF-B807-FDD0502418D4}" type="datetimeFigureOut">
               <a:rPr lang="en-US" smtClean="0"/>
-              <a:t>6/3/2023</a:t>
+              <a:t>2/23/2024</a:t>
             </a:fld>
             <a:endParaRPr lang="en-US"/>
           </a:p>
@@ -960,7 +960,7 @@
           <a:p>
             <a:fld id="{846CE7D5-CF57-46EF-B807-FDD0502418D4}" type="datetimeFigureOut">
               <a:rPr lang="en-US" smtClean="0"/>
-              <a:t>6/3/2023</a:t>
+              <a:t>2/23/2024</a:t>
             </a:fld>
             <a:endParaRPr lang="en-US"/>
           </a:p>
@@ -2445,7 +2445,7 @@
           <a:p>
             <a:fld id="{846CE7D5-CF57-46EF-B807-FDD0502418D4}" type="datetimeFigureOut">
               <a:rPr lang="en-US" smtClean="0"/>
-              <a:t>6/3/2023</a:t>
+              <a:t>2/23/2024</a:t>
             </a:fld>
             <a:endParaRPr lang="en-US"/>
           </a:p>
@@ -4571,7 +4571,7 @@
           <a:p>
             <a:fld id="{846CE7D5-CF57-46EF-B807-FDD0502418D4}" type="datetimeFigureOut">
               <a:rPr lang="en-US" smtClean="0"/>
-              <a:t>6/3/2023</a:t>
+              <a:t>2/23/2024</a:t>
             </a:fld>
             <a:endParaRPr lang="en-US"/>
           </a:p>
@@ -6893,7 +6893,7 @@
           <a:p>
             <a:fld id="{846CE7D5-CF57-46EF-B807-FDD0502418D4}" type="datetimeFigureOut">
               <a:rPr lang="en-US" smtClean="0"/>
-              <a:t>6/3/2023</a:t>
+              <a:t>2/23/2024</a:t>
             </a:fld>
             <a:endParaRPr lang="en-US"/>
           </a:p>
@@ -8854,7 +8854,7 @@
           <a:p>
             <a:fld id="{EA730EFB-AB28-4A68-9CF2-24FEA7CF3D98}" type="datetimeFigureOut">
               <a:rPr lang="en-US" smtClean="0"/>
-              <a:t>6/3/2023</a:t>
+              <a:t>2/23/2024</a:t>
             </a:fld>
             <a:endParaRPr lang="en-US"/>
           </a:p>
@@ -9092,7 +9092,7 @@
           <a:p>
             <a:fld id="{EA730EFB-AB28-4A68-9CF2-24FEA7CF3D98}" type="datetimeFigureOut">
               <a:rPr lang="en-US" smtClean="0"/>
-              <a:t>6/3/2023</a:t>
+              <a:t>2/23/2024</a:t>
             </a:fld>
             <a:endParaRPr lang="en-US"/>
           </a:p>
@@ -9539,7 +9539,7 @@
           <a:p>
             <a:fld id="{846CE7D5-CF57-46EF-B807-FDD0502418D4}" type="datetimeFigureOut">
               <a:rPr lang="en-US" smtClean="0"/>
-              <a:t>6/3/2023</a:t>
+              <a:t>2/23/2024</a:t>
             </a:fld>
             <a:endParaRPr lang="en-US"/>
           </a:p>
@@ -9657,7 +9657,7 @@
           <a:p>
             <a:fld id="{846CE7D5-CF57-46EF-B807-FDD0502418D4}" type="datetimeFigureOut">
               <a:rPr lang="en-US" smtClean="0"/>
-              <a:t>6/3/2023</a:t>
+              <a:t>2/23/2024</a:t>
             </a:fld>
             <a:endParaRPr lang="en-US"/>
           </a:p>
@@ -9752,7 +9752,7 @@
           <a:p>
             <a:fld id="{846CE7D5-CF57-46EF-B807-FDD0502418D4}" type="datetimeFigureOut">
               <a:rPr lang="en-US" smtClean="0"/>
-              <a:t>6/3/2023</a:t>
+              <a:t>2/23/2024</a:t>
             </a:fld>
             <a:endParaRPr lang="en-US"/>
           </a:p>
@@ -10029,7 +10029,7 @@
           <a:p>
             <a:fld id="{846CE7D5-CF57-46EF-B807-FDD0502418D4}" type="datetimeFigureOut">
               <a:rPr lang="en-US" smtClean="0"/>
-              <a:t>6/3/2023</a:t>
+              <a:t>2/23/2024</a:t>
             </a:fld>
             <a:endParaRPr lang="en-US"/>
           </a:p>
@@ -10286,7 +10286,7 @@
           <a:p>
             <a:fld id="{846CE7D5-CF57-46EF-B807-FDD0502418D4}" type="datetimeFigureOut">
               <a:rPr lang="en-US" smtClean="0"/>
-              <a:t>6/3/2023</a:t>
+              <a:t>2/23/2024</a:t>
             </a:fld>
             <a:endParaRPr lang="en-US"/>
           </a:p>
@@ -10499,7 +10499,7 @@
           <a:p>
             <a:fld id="{846CE7D5-CF57-46EF-B807-FDD0502418D4}" type="datetimeFigureOut">
               <a:rPr lang="en-US" smtClean="0"/>
-              <a:t>6/3/2023</a:t>
+              <a:t>2/23/2024</a:t>
             </a:fld>
             <a:endParaRPr lang="en-US"/>
           </a:p>
@@ -18880,7 +18880,7 @@
               <a:rPr lang="en-US" dirty="0">
                 <a:latin typeface="Nunito"/>
               </a:rPr>
-              <a:t>Set up check:</a:t>
+              <a:t>Set up continues:</a:t>
             </a:r>
             <a:endParaRPr lang="nl-NL" dirty="0"/>
           </a:p>
@@ -18920,13 +18920,13 @@
           <a:p>
             <a:r>
               <a:rPr lang="en-US" dirty="0"/>
-              <a:t>Repo cloned?</a:t>
+              <a:t>Repo cloned </a:t>
             </a:r>
           </a:p>
           <a:p>
             <a:r>
               <a:rPr lang="en-US" dirty="0"/>
-              <a:t>Environment entered?</a:t>
+              <a:t>Environment entered</a:t>
             </a:r>
           </a:p>
           <a:p>
@@ -18941,7 +18941,7 @@
           <a:p>
             <a:r>
               <a:rPr lang="en-US" dirty="0"/>
-              <a:t>Grab a cheat sheet if you want one</a:t>
+              <a:t>There is a cheat sheet if you want one (later)</a:t>
             </a:r>
           </a:p>
         </p:txBody>
@@ -19122,6 +19122,84 @@
           <a:xfrm>
             <a:off x="6626060" y="258410"/>
             <a:ext cx="5207955" cy="5264917"/>
+          </a:xfrm>
+          <a:prstGeom prst="rect">
+            <a:avLst/>
+          </a:prstGeom>
+        </p:spPr>
+      </p:pic>
+      <p:pic>
+        <p:nvPicPr>
+          <p:cNvPr id="9" name="Graphic 8" descr="Checkmark with solid fill">
+            <a:extLst>
+              <a:ext uri="{FF2B5EF4-FFF2-40B4-BE49-F238E27FC236}">
+                <a16:creationId xmlns:a16="http://schemas.microsoft.com/office/drawing/2014/main" id="{D3B89977-F58A-0996-2FEC-2C908A135A24}"/>
+              </a:ext>
+            </a:extLst>
+          </p:cNvPr>
+          <p:cNvPicPr>
+            <a:picLocks noChangeAspect="1"/>
+          </p:cNvPicPr>
+          <p:nvPr/>
+        </p:nvPicPr>
+        <p:blipFill>
+          <a:blip r:embed="rId5">
+            <a:extLst>
+              <a:ext uri="{28A0092B-C50C-407E-A947-70E740481C1C}">
+                <a14:useLocalDpi xmlns:a14="http://schemas.microsoft.com/office/drawing/2010/main" val="0"/>
+              </a:ext>
+              <a:ext uri="{96DAC541-7B7A-43D3-8B79-37D633B846F1}">
+                <asvg:svgBlip xmlns:asvg="http://schemas.microsoft.com/office/drawing/2016/SVG/main" r:embed="rId6"/>
+              </a:ext>
+            </a:extLst>
+          </a:blip>
+          <a:stretch>
+            <a:fillRect/>
+          </a:stretch>
+        </p:blipFill>
+        <p:spPr>
+          <a:xfrm>
+            <a:off x="2992584" y="2216322"/>
+            <a:ext cx="706120" cy="706120"/>
+          </a:xfrm>
+          <a:prstGeom prst="rect">
+            <a:avLst/>
+          </a:prstGeom>
+        </p:spPr>
+      </p:pic>
+      <p:pic>
+        <p:nvPicPr>
+          <p:cNvPr id="10" name="Graphic 9" descr="Checkmark with solid fill">
+            <a:extLst>
+              <a:ext uri="{FF2B5EF4-FFF2-40B4-BE49-F238E27FC236}">
+                <a16:creationId xmlns:a16="http://schemas.microsoft.com/office/drawing/2014/main" id="{76EB3C7D-1B80-F85A-35DC-87CC7C3C6D02}"/>
+              </a:ext>
+            </a:extLst>
+          </p:cNvPr>
+          <p:cNvPicPr>
+            <a:picLocks noChangeAspect="1"/>
+          </p:cNvPicPr>
+          <p:nvPr/>
+        </p:nvPicPr>
+        <p:blipFill>
+          <a:blip r:embed="rId5">
+            <a:extLst>
+              <a:ext uri="{28A0092B-C50C-407E-A947-70E740481C1C}">
+                <a14:useLocalDpi xmlns:a14="http://schemas.microsoft.com/office/drawing/2010/main" val="0"/>
+              </a:ext>
+              <a:ext uri="{96DAC541-7B7A-43D3-8B79-37D633B846F1}">
+                <asvg:svgBlip xmlns:asvg="http://schemas.microsoft.com/office/drawing/2016/SVG/main" r:embed="rId6"/>
+              </a:ext>
+            </a:extLst>
+          </a:blip>
+          <a:stretch>
+            <a:fillRect/>
+          </a:stretch>
+        </p:blipFill>
+        <p:spPr>
+          <a:xfrm>
+            <a:off x="2174240" y="1954530"/>
+            <a:ext cx="523585" cy="523585"/>
           </a:xfrm>
           <a:prstGeom prst="rect">
             <a:avLst/>
